--- a/3_présentation.pptx
+++ b/3_présentation.pptx
@@ -9,14 +9,15 @@
     <p:sldId id="257" r:id="rId3"/>
     <p:sldId id="265" r:id="rId4"/>
     <p:sldId id="266" r:id="rId5"/>
-    <p:sldId id="267" r:id="rId6"/>
-    <p:sldId id="258" r:id="rId7"/>
-    <p:sldId id="264" r:id="rId8"/>
-    <p:sldId id="259" r:id="rId9"/>
-    <p:sldId id="260" r:id="rId10"/>
-    <p:sldId id="261" r:id="rId11"/>
-    <p:sldId id="263" r:id="rId12"/>
-    <p:sldId id="262" r:id="rId13"/>
+    <p:sldId id="268" r:id="rId6"/>
+    <p:sldId id="267" r:id="rId7"/>
+    <p:sldId id="258" r:id="rId8"/>
+    <p:sldId id="264" r:id="rId9"/>
+    <p:sldId id="259" r:id="rId10"/>
+    <p:sldId id="260" r:id="rId11"/>
+    <p:sldId id="261" r:id="rId12"/>
+    <p:sldId id="263" r:id="rId13"/>
+    <p:sldId id="262" r:id="rId14"/>
   </p:sldIdLst>
   <p:sldSz cx="12192000" cy="6858000"/>
   <p:notesSz cx="6858000" cy="9144000"/>
@@ -115,6 +116,11 @@
       </a:defRPr>
     </a:lvl9pPr>
   </p:defaultTextStyle>
+  <p:extLst>
+    <p:ext uri="{EFAFB233-063F-42B5-8137-9DF3F51BA10A}">
+      <p15:sldGuideLst xmlns:p15="http://schemas.microsoft.com/office/powerpoint/2012/main"/>
+    </p:ext>
+  </p:extLst>
 </p:presentation>
 </file>
 
@@ -265,7 +271,7 @@
           <a:p>
             <a:fld id="{54597A4D-F824-45AB-948E-145ADBCD9998}" type="datetimeFigureOut">
               <a:rPr lang="fr-FR" smtClean="0"/>
-              <a:t>17/05/2025</a:t>
+              <a:t>14/06/2025</a:t>
             </a:fld>
             <a:endParaRPr lang="fr-FR"/>
           </a:p>
@@ -463,7 +469,7 @@
           <a:p>
             <a:fld id="{54597A4D-F824-45AB-948E-145ADBCD9998}" type="datetimeFigureOut">
               <a:rPr lang="fr-FR" smtClean="0"/>
-              <a:t>17/05/2025</a:t>
+              <a:t>14/06/2025</a:t>
             </a:fld>
             <a:endParaRPr lang="fr-FR"/>
           </a:p>
@@ -671,7 +677,7 @@
           <a:p>
             <a:fld id="{54597A4D-F824-45AB-948E-145ADBCD9998}" type="datetimeFigureOut">
               <a:rPr lang="fr-FR" smtClean="0"/>
-              <a:t>17/05/2025</a:t>
+              <a:t>14/06/2025</a:t>
             </a:fld>
             <a:endParaRPr lang="fr-FR"/>
           </a:p>
@@ -869,7 +875,7 @@
           <a:p>
             <a:fld id="{54597A4D-F824-45AB-948E-145ADBCD9998}" type="datetimeFigureOut">
               <a:rPr lang="fr-FR" smtClean="0"/>
-              <a:t>17/05/2025</a:t>
+              <a:t>14/06/2025</a:t>
             </a:fld>
             <a:endParaRPr lang="fr-FR"/>
           </a:p>
@@ -1144,7 +1150,7 @@
           <a:p>
             <a:fld id="{54597A4D-F824-45AB-948E-145ADBCD9998}" type="datetimeFigureOut">
               <a:rPr lang="fr-FR" smtClean="0"/>
-              <a:t>17/05/2025</a:t>
+              <a:t>14/06/2025</a:t>
             </a:fld>
             <a:endParaRPr lang="fr-FR"/>
           </a:p>
@@ -1409,7 +1415,7 @@
           <a:p>
             <a:fld id="{54597A4D-F824-45AB-948E-145ADBCD9998}" type="datetimeFigureOut">
               <a:rPr lang="fr-FR" smtClean="0"/>
-              <a:t>17/05/2025</a:t>
+              <a:t>14/06/2025</a:t>
             </a:fld>
             <a:endParaRPr lang="fr-FR"/>
           </a:p>
@@ -1821,7 +1827,7 @@
           <a:p>
             <a:fld id="{54597A4D-F824-45AB-948E-145ADBCD9998}" type="datetimeFigureOut">
               <a:rPr lang="fr-FR" smtClean="0"/>
-              <a:t>17/05/2025</a:t>
+              <a:t>14/06/2025</a:t>
             </a:fld>
             <a:endParaRPr lang="fr-FR"/>
           </a:p>
@@ -1962,7 +1968,7 @@
           <a:p>
             <a:fld id="{54597A4D-F824-45AB-948E-145ADBCD9998}" type="datetimeFigureOut">
               <a:rPr lang="fr-FR" smtClean="0"/>
-              <a:t>17/05/2025</a:t>
+              <a:t>14/06/2025</a:t>
             </a:fld>
             <a:endParaRPr lang="fr-FR"/>
           </a:p>
@@ -2075,7 +2081,7 @@
           <a:p>
             <a:fld id="{54597A4D-F824-45AB-948E-145ADBCD9998}" type="datetimeFigureOut">
               <a:rPr lang="fr-FR" smtClean="0"/>
-              <a:t>17/05/2025</a:t>
+              <a:t>14/06/2025</a:t>
             </a:fld>
             <a:endParaRPr lang="fr-FR"/>
           </a:p>
@@ -2386,7 +2392,7 @@
           <a:p>
             <a:fld id="{54597A4D-F824-45AB-948E-145ADBCD9998}" type="datetimeFigureOut">
               <a:rPr lang="fr-FR" smtClean="0"/>
-              <a:t>17/05/2025</a:t>
+              <a:t>14/06/2025</a:t>
             </a:fld>
             <a:endParaRPr lang="fr-FR"/>
           </a:p>
@@ -2674,7 +2680,7 @@
           <a:p>
             <a:fld id="{54597A4D-F824-45AB-948E-145ADBCD9998}" type="datetimeFigureOut">
               <a:rPr lang="fr-FR" smtClean="0"/>
-              <a:t>17/05/2025</a:t>
+              <a:t>14/06/2025</a:t>
             </a:fld>
             <a:endParaRPr lang="fr-FR"/>
           </a:p>
@@ -2915,7 +2921,7 @@
           <a:p>
             <a:fld id="{54597A4D-F824-45AB-948E-145ADBCD9998}" type="datetimeFigureOut">
               <a:rPr lang="fr-FR" smtClean="0"/>
-              <a:t>17/05/2025</a:t>
+              <a:t>14/06/2025</a:t>
             </a:fld>
             <a:endParaRPr lang="fr-FR"/>
           </a:p>
@@ -3423,7 +3429,7 @@
           <p:cNvPr id="2" name="Titre 1">
             <a:extLst>
               <a:ext uri="{FF2B5EF4-FFF2-40B4-BE49-F238E27FC236}">
-                <a16:creationId xmlns:a16="http://schemas.microsoft.com/office/drawing/2014/main" id="{ABD9CF28-F0FF-8A8F-4F5D-B4BD45C844FF}"/>
+                <a16:creationId xmlns:a16="http://schemas.microsoft.com/office/drawing/2014/main" id="{7C2D7510-0A03-D35E-B15C-0E0029FE07A7}"/>
               </a:ext>
             </a:extLst>
           </p:cNvPr>
@@ -3441,7 +3447,7 @@
           <a:p>
             <a:r>
               <a:rPr lang="fr-FR" dirty="0"/>
-              <a:t>Synthèse des résultats</a:t>
+              <a:t>Classification avec Mistral 7B – Résultats</a:t>
             </a:r>
           </a:p>
         </p:txBody>
@@ -3451,7 +3457,7 @@
           <p:cNvPr id="3" name="Espace réservé du contenu 2">
             <a:extLst>
               <a:ext uri="{FF2B5EF4-FFF2-40B4-BE49-F238E27FC236}">
-                <a16:creationId xmlns:a16="http://schemas.microsoft.com/office/drawing/2014/main" id="{BB907485-C59F-91B0-D122-F9ABB67DDFCA}"/>
+                <a16:creationId xmlns:a16="http://schemas.microsoft.com/office/drawing/2014/main" id="{526AF450-FE63-4A86-27FE-DDF4E18C1030}"/>
               </a:ext>
             </a:extLst>
           </p:cNvPr>
@@ -3467,14 +3473,27 @@
           <a:bodyPr/>
           <a:lstStyle/>
           <a:p>
-            <a:endParaRPr lang="fr-FR"/>
+            <a:r>
+              <a:rPr lang="fr-FR" dirty="0" err="1"/>
+              <a:t>Accuracy</a:t>
+            </a:r>
+            <a:r>
+              <a:rPr lang="fr-FR" dirty="0"/>
+              <a:t> plus faible du modèle 0,73</a:t>
+            </a:r>
+          </a:p>
+          <a:p>
+            <a:r>
+              <a:rPr lang="fr-FR" dirty="0"/>
+              <a:t>Temps total de prédiction 12 fois plus long en local (10 minutes et 43 secondes) </a:t>
+            </a:r>
           </a:p>
         </p:txBody>
       </p:sp>
     </p:spTree>
     <p:extLst>
       <p:ext uri="{BB962C8B-B14F-4D97-AF65-F5344CB8AC3E}">
-        <p14:creationId xmlns:p14="http://schemas.microsoft.com/office/powerpoint/2010/main" val="4125236558"/>
+        <p14:creationId xmlns:p14="http://schemas.microsoft.com/office/powerpoint/2010/main" val="2115623529"/>
       </p:ext>
     </p:extLst>
   </p:cSld>
@@ -3506,7 +3525,7 @@
           <p:cNvPr id="2" name="Titre 1">
             <a:extLst>
               <a:ext uri="{FF2B5EF4-FFF2-40B4-BE49-F238E27FC236}">
-                <a16:creationId xmlns:a16="http://schemas.microsoft.com/office/drawing/2014/main" id="{3DA84A16-85D3-9D29-8D2E-D7A36500E277}"/>
+                <a16:creationId xmlns:a16="http://schemas.microsoft.com/office/drawing/2014/main" id="{ABD9CF28-F0FF-8A8F-4F5D-B4BD45C844FF}"/>
               </a:ext>
             </a:extLst>
           </p:cNvPr>
@@ -3524,7 +3543,7 @@
           <a:p>
             <a:r>
               <a:rPr lang="fr-FR" dirty="0"/>
-              <a:t>Conclusion</a:t>
+              <a:t>Synthèse des résultats</a:t>
             </a:r>
           </a:p>
         </p:txBody>
@@ -3534,7 +3553,7 @@
           <p:cNvPr id="3" name="Espace réservé du contenu 2">
             <a:extLst>
               <a:ext uri="{FF2B5EF4-FFF2-40B4-BE49-F238E27FC236}">
-                <a16:creationId xmlns:a16="http://schemas.microsoft.com/office/drawing/2014/main" id="{DAD75A99-CA59-CC7C-93AA-78C7376534B0}"/>
+                <a16:creationId xmlns:a16="http://schemas.microsoft.com/office/drawing/2014/main" id="{BB907485-C59F-91B0-D122-F9ABB67DDFCA}"/>
               </a:ext>
             </a:extLst>
           </p:cNvPr>
@@ -3550,25 +3569,14 @@
           <a:bodyPr/>
           <a:lstStyle/>
           <a:p>
-            <a:r>
-              <a:rPr lang="fr-FR" dirty="0"/>
-              <a:t>Pour la classification de texte, les modèles d’</a:t>
-            </a:r>
-            <a:r>
-              <a:rPr lang="fr-FR" dirty="0" err="1"/>
-              <a:t>embeddings</a:t>
-            </a:r>
-            <a:r>
-              <a:rPr lang="fr-FR" dirty="0"/>
-              <a:t> traditionnels restent souvent plus performant qu’un LLM utilisé en local</a:t>
-            </a:r>
+            <a:endParaRPr lang="fr-FR"/>
           </a:p>
         </p:txBody>
       </p:sp>
     </p:spTree>
     <p:extLst>
       <p:ext uri="{BB962C8B-B14F-4D97-AF65-F5344CB8AC3E}">
-        <p14:creationId xmlns:p14="http://schemas.microsoft.com/office/powerpoint/2010/main" val="963378207"/>
+        <p14:creationId xmlns:p14="http://schemas.microsoft.com/office/powerpoint/2010/main" val="4125236558"/>
       </p:ext>
     </p:extLst>
   </p:cSld>
@@ -3600,6 +3608,100 @@
           <p:cNvPr id="2" name="Titre 1">
             <a:extLst>
               <a:ext uri="{FF2B5EF4-FFF2-40B4-BE49-F238E27FC236}">
+                <a16:creationId xmlns:a16="http://schemas.microsoft.com/office/drawing/2014/main" id="{3DA84A16-85D3-9D29-8D2E-D7A36500E277}"/>
+              </a:ext>
+            </a:extLst>
+          </p:cNvPr>
+          <p:cNvSpPr>
+            <a:spLocks noGrp="1"/>
+          </p:cNvSpPr>
+          <p:nvPr>
+            <p:ph type="title"/>
+          </p:nvPr>
+        </p:nvSpPr>
+        <p:spPr/>
+        <p:txBody>
+          <a:bodyPr/>
+          <a:lstStyle/>
+          <a:p>
+            <a:r>
+              <a:rPr lang="fr-FR" dirty="0"/>
+              <a:t>Conclusion</a:t>
+            </a:r>
+          </a:p>
+        </p:txBody>
+      </p:sp>
+      <p:sp>
+        <p:nvSpPr>
+          <p:cNvPr id="3" name="Espace réservé du contenu 2">
+            <a:extLst>
+              <a:ext uri="{FF2B5EF4-FFF2-40B4-BE49-F238E27FC236}">
+                <a16:creationId xmlns:a16="http://schemas.microsoft.com/office/drawing/2014/main" id="{DAD75A99-CA59-CC7C-93AA-78C7376534B0}"/>
+              </a:ext>
+            </a:extLst>
+          </p:cNvPr>
+          <p:cNvSpPr>
+            <a:spLocks noGrp="1"/>
+          </p:cNvSpPr>
+          <p:nvPr>
+            <p:ph idx="1"/>
+          </p:nvPr>
+        </p:nvSpPr>
+        <p:spPr/>
+        <p:txBody>
+          <a:bodyPr/>
+          <a:lstStyle/>
+          <a:p>
+            <a:r>
+              <a:rPr lang="fr-FR" dirty="0"/>
+              <a:t>Pour la classification de texte, les modèles d’</a:t>
+            </a:r>
+            <a:r>
+              <a:rPr lang="fr-FR" dirty="0" err="1"/>
+              <a:t>embeddings</a:t>
+            </a:r>
+            <a:r>
+              <a:rPr lang="fr-FR" dirty="0"/>
+              <a:t> traditionnels restent souvent plus performant qu’un LLM utilisé en local</a:t>
+            </a:r>
+          </a:p>
+        </p:txBody>
+      </p:sp>
+    </p:spTree>
+    <p:extLst>
+      <p:ext uri="{BB962C8B-B14F-4D97-AF65-F5344CB8AC3E}">
+        <p14:creationId xmlns:p14="http://schemas.microsoft.com/office/powerpoint/2010/main" val="963378207"/>
+      </p:ext>
+    </p:extLst>
+  </p:cSld>
+  <p:clrMapOvr>
+    <a:masterClrMapping/>
+  </p:clrMapOvr>
+</p:sld>
+</file>
+
+<file path=ppt/slides/slide13.xml><?xml version="1.0" encoding="utf-8"?>
+<p:sld xmlns:a="http://schemas.openxmlformats.org/drawingml/2006/main" xmlns:r="http://schemas.openxmlformats.org/officeDocument/2006/relationships" xmlns:p="http://schemas.openxmlformats.org/presentationml/2006/main">
+  <p:cSld>
+    <p:spTree>
+      <p:nvGrpSpPr>
+        <p:cNvPr id="1" name=""/>
+        <p:cNvGrpSpPr/>
+        <p:nvPr/>
+      </p:nvGrpSpPr>
+      <p:grpSpPr>
+        <a:xfrm>
+          <a:off x="0" y="0"/>
+          <a:ext cx="0" cy="0"/>
+          <a:chOff x="0" y="0"/>
+          <a:chExt cx="0" cy="0"/>
+        </a:xfrm>
+      </p:grpSpPr>
+      <p:sp>
+        <p:nvSpPr>
+          <p:cNvPr id="2" name="Titre 1">
+            <a:extLst>
+              <a:ext uri="{FF2B5EF4-FFF2-40B4-BE49-F238E27FC236}">
                 <a16:creationId xmlns:a16="http://schemas.microsoft.com/office/drawing/2014/main" id="{BFB560F4-2DCE-CF60-8710-4A3875017AD9}"/>
               </a:ext>
             </a:extLst>
@@ -3652,7 +3754,7 @@
           <a:p>
             <a:r>
               <a:rPr lang="fr-FR" dirty="0"/>
-              <a:t>Connexion directe à l’API plutôt qu’un usage local pour améliorer la vitesse</a:t>
+              <a:t>Connexion directe à l’API plutôt qu’un usage local pour accélérer le processus (augmentation du coût)</a:t>
             </a:r>
           </a:p>
           <a:p>
@@ -3758,7 +3860,7 @@
           <a:p>
             <a:r>
               <a:rPr lang="fr-FR" dirty="0"/>
-              <a:t>2. Classification avec BERT + Réseau de neurone</a:t>
+              <a:t>2. Classification avec BERT + Réseau de neurones</a:t>
             </a:r>
           </a:p>
           <a:p>
@@ -3770,7 +3872,7 @@
           <a:p>
             <a:r>
               <a:rPr lang="fr-FR" dirty="0"/>
-              <a:t>3. Conclusion</a:t>
+              <a:t>4. Conclusion</a:t>
             </a:r>
           </a:p>
         </p:txBody>
@@ -3854,7 +3956,27 @@
           <a:bodyPr/>
           <a:lstStyle/>
           <a:p>
-            <a:endParaRPr lang="fr-FR"/>
+            <a:pPr marL="0" indent="0">
+              <a:buNone/>
+            </a:pPr>
+            <a:r>
+              <a:rPr lang="fr-FR" dirty="0"/>
+              <a:t>- Liste des articles du site d’e-commerce</a:t>
+            </a:r>
+          </a:p>
+          <a:p>
+            <a:pPr marL="0" indent="0">
+              <a:buNone/>
+            </a:pPr>
+            <a:r>
+              <a:rPr lang="fr-FR" dirty="0"/>
+              <a:t>- Sept catégories </a:t>
+            </a:r>
+            <a:r>
+              <a:rPr lang="fr-FR"/>
+              <a:t>de produits</a:t>
+            </a:r>
+            <a:endParaRPr lang="fr-FR" dirty="0"/>
           </a:p>
         </p:txBody>
       </p:sp>
@@ -3911,7 +4033,7 @@
           <a:p>
             <a:r>
               <a:rPr lang="fr-FR" dirty="0"/>
-              <a:t>Le modèle</a:t>
+              <a:t>Le modèle de référence</a:t>
             </a:r>
           </a:p>
         </p:txBody>
@@ -3937,7 +4059,24 @@
           <a:bodyPr/>
           <a:lstStyle/>
           <a:p>
-            <a:endParaRPr lang="fr-FR" dirty="0"/>
+            <a:r>
+              <a:rPr lang="fr-FR" dirty="0"/>
+              <a:t>BERT</a:t>
+            </a:r>
+          </a:p>
+          <a:p>
+            <a:r>
+              <a:rPr lang="fr-FR" dirty="0"/>
+              <a:t>Modèle pré-entraîné (</a:t>
+            </a:r>
+            <a:r>
+              <a:rPr lang="fr-FR" dirty="0" err="1"/>
+              <a:t>bert-uncase</a:t>
+            </a:r>
+            <a:r>
+              <a:rPr lang="fr-FR" dirty="0"/>
+              <a:t>)</a:t>
+            </a:r>
           </a:p>
         </p:txBody>
       </p:sp>
@@ -3959,7 +4098,13 @@
   <p:cSld>
     <p:spTree>
       <p:nvGrpSpPr>
-        <p:cNvPr id="1" name=""/>
+        <p:cNvPr id="1" name="">
+          <a:extLst>
+            <a:ext uri="{FF2B5EF4-FFF2-40B4-BE49-F238E27FC236}">
+              <a16:creationId xmlns:a16="http://schemas.microsoft.com/office/drawing/2014/main" id="{4CB6FE7D-7295-D409-2D2B-914ECB8D2605}"/>
+            </a:ext>
+          </a:extLst>
+        </p:cNvPr>
         <p:cNvGrpSpPr/>
         <p:nvPr/>
       </p:nvGrpSpPr>
@@ -3976,7 +4121,7 @@
           <p:cNvPr id="2" name="Titre 1">
             <a:extLst>
               <a:ext uri="{FF2B5EF4-FFF2-40B4-BE49-F238E27FC236}">
-                <a16:creationId xmlns:a16="http://schemas.microsoft.com/office/drawing/2014/main" id="{9B1B9518-7F7C-4DB9-3A75-9F3583FD67CD}"/>
+                <a16:creationId xmlns:a16="http://schemas.microsoft.com/office/drawing/2014/main" id="{FE33BC6C-A310-5E36-B5F8-9084905A6661}"/>
               </a:ext>
             </a:extLst>
           </p:cNvPr>
@@ -3994,7 +4139,7 @@
           <a:p>
             <a:r>
               <a:rPr lang="fr-FR" dirty="0"/>
-              <a:t>Sources</a:t>
+              <a:t>Le modèle de remplacement</a:t>
             </a:r>
           </a:p>
         </p:txBody>
@@ -4004,7 +4149,7 @@
           <p:cNvPr id="3" name="Espace réservé du contenu 2">
             <a:extLst>
               <a:ext uri="{FF2B5EF4-FFF2-40B4-BE49-F238E27FC236}">
-                <a16:creationId xmlns:a16="http://schemas.microsoft.com/office/drawing/2014/main" id="{AF498D1A-FC4D-5059-6AAA-4E890311D183}"/>
+                <a16:creationId xmlns:a16="http://schemas.microsoft.com/office/drawing/2014/main" id="{21EC60D4-8FC8-E4F9-F70E-3566146E13B0}"/>
               </a:ext>
             </a:extLst>
           </p:cNvPr>
@@ -4020,14 +4165,34 @@
           <a:bodyPr/>
           <a:lstStyle/>
           <a:p>
-            <a:endParaRPr lang="fr-FR"/>
+            <a:r>
+              <a:rPr lang="fr-FR" dirty="0"/>
+              <a:t>Mistral 7B</a:t>
+            </a:r>
+          </a:p>
+          <a:p>
+            <a:r>
+              <a:rPr lang="fr-FR" dirty="0"/>
+              <a:t>LLM avec 7 milliards de paramètres</a:t>
+            </a:r>
+          </a:p>
+          <a:p>
+            <a:r>
+              <a:rPr lang="fr-FR" dirty="0"/>
+              <a:t>Usage en local avec </a:t>
+            </a:r>
+            <a:r>
+              <a:rPr lang="fr-FR" dirty="0" err="1"/>
+              <a:t>Ollama</a:t>
+            </a:r>
+            <a:endParaRPr lang="fr-FR" dirty="0"/>
           </a:p>
         </p:txBody>
       </p:sp>
     </p:spTree>
     <p:extLst>
       <p:ext uri="{BB962C8B-B14F-4D97-AF65-F5344CB8AC3E}">
-        <p14:creationId xmlns:p14="http://schemas.microsoft.com/office/powerpoint/2010/main" val="860087269"/>
+        <p14:creationId xmlns:p14="http://schemas.microsoft.com/office/powerpoint/2010/main" val="3122217903"/>
       </p:ext>
     </p:extLst>
   </p:cSld>
@@ -4059,6 +4224,131 @@
           <p:cNvPr id="2" name="Titre 1">
             <a:extLst>
               <a:ext uri="{FF2B5EF4-FFF2-40B4-BE49-F238E27FC236}">
+                <a16:creationId xmlns:a16="http://schemas.microsoft.com/office/drawing/2014/main" id="{9B1B9518-7F7C-4DB9-3A75-9F3583FD67CD}"/>
+              </a:ext>
+            </a:extLst>
+          </p:cNvPr>
+          <p:cNvSpPr>
+            <a:spLocks noGrp="1"/>
+          </p:cNvSpPr>
+          <p:nvPr>
+            <p:ph type="title"/>
+          </p:nvPr>
+        </p:nvSpPr>
+        <p:spPr/>
+        <p:txBody>
+          <a:bodyPr/>
+          <a:lstStyle/>
+          <a:p>
+            <a:r>
+              <a:rPr lang="fr-FR" dirty="0"/>
+              <a:t>Sources</a:t>
+            </a:r>
+          </a:p>
+        </p:txBody>
+      </p:sp>
+      <p:sp>
+        <p:nvSpPr>
+          <p:cNvPr id="3" name="Espace réservé du contenu 2">
+            <a:extLst>
+              <a:ext uri="{FF2B5EF4-FFF2-40B4-BE49-F238E27FC236}">
+                <a16:creationId xmlns:a16="http://schemas.microsoft.com/office/drawing/2014/main" id="{AF498D1A-FC4D-5059-6AAA-4E890311D183}"/>
+              </a:ext>
+            </a:extLst>
+          </p:cNvPr>
+          <p:cNvSpPr>
+            <a:spLocks noGrp="1"/>
+          </p:cNvSpPr>
+          <p:nvPr>
+            <p:ph idx="1"/>
+          </p:nvPr>
+        </p:nvSpPr>
+        <p:spPr/>
+        <p:txBody>
+          <a:bodyPr/>
+          <a:lstStyle/>
+          <a:p>
+            <a:pPr lvl="0"/>
+            <a:r>
+              <a:rPr lang="en-US" u="sng" dirty="0">
+                <a:hlinkClick r:id="rId2"/>
+              </a:rPr>
+              <a:t>Zero-shot Topical Text Classification with LLMs - an Experimental Study</a:t>
+            </a:r>
+            <a:r>
+              <a:rPr lang="en-US" dirty="0"/>
+              <a:t> (Gretz et al., Findings 2023)</a:t>
+            </a:r>
+            <a:endParaRPr lang="fr-FR" dirty="0"/>
+          </a:p>
+          <a:p>
+            <a:pPr lvl="0"/>
+            <a:r>
+              <a:rPr lang="en-US" u="sng" dirty="0">
+                <a:hlinkClick r:id="rId3"/>
+              </a:rPr>
+              <a:t>Pushing the limit of LLMs for text classification</a:t>
+            </a:r>
+            <a:r>
+              <a:rPr lang="en-US" dirty="0"/>
+              <a:t> (Zhang et al., 2025)</a:t>
+            </a:r>
+            <a:endParaRPr lang="fr-FR" dirty="0"/>
+          </a:p>
+          <a:p>
+            <a:pPr lvl="0"/>
+            <a:r>
+              <a:rPr lang="en-US" u="sng" dirty="0">
+                <a:hlinkClick r:id="rId4"/>
+              </a:rPr>
+              <a:t>LLMs classification performance is overclaimed</a:t>
+            </a:r>
+            <a:r>
+              <a:rPr lang="en-US" dirty="0"/>
+              <a:t> (Xu et al., 2024)</a:t>
+            </a:r>
+            <a:endParaRPr lang="fr-FR" dirty="0"/>
+          </a:p>
+          <a:p>
+            <a:endParaRPr lang="fr-FR" dirty="0"/>
+          </a:p>
+        </p:txBody>
+      </p:sp>
+    </p:spTree>
+    <p:extLst>
+      <p:ext uri="{BB962C8B-B14F-4D97-AF65-F5344CB8AC3E}">
+        <p14:creationId xmlns:p14="http://schemas.microsoft.com/office/powerpoint/2010/main" val="860087269"/>
+      </p:ext>
+    </p:extLst>
+  </p:cSld>
+  <p:clrMapOvr>
+    <a:masterClrMapping/>
+  </p:clrMapOvr>
+</p:sld>
+</file>
+
+<file path=ppt/slides/slide7.xml><?xml version="1.0" encoding="utf-8"?>
+<p:sld xmlns:a="http://schemas.openxmlformats.org/drawingml/2006/main" xmlns:r="http://schemas.openxmlformats.org/officeDocument/2006/relationships" xmlns:p="http://schemas.openxmlformats.org/presentationml/2006/main">
+  <p:cSld>
+    <p:spTree>
+      <p:nvGrpSpPr>
+        <p:cNvPr id="1" name=""/>
+        <p:cNvGrpSpPr/>
+        <p:nvPr/>
+      </p:nvGrpSpPr>
+      <p:grpSpPr>
+        <a:xfrm>
+          <a:off x="0" y="0"/>
+          <a:ext cx="0" cy="0"/>
+          <a:chOff x="0" y="0"/>
+          <a:chExt cx="0" cy="0"/>
+        </a:xfrm>
+      </p:grpSpPr>
+      <p:sp>
+        <p:nvSpPr>
+          <p:cNvPr id="2" name="Titre 1">
+            <a:extLst>
+              <a:ext uri="{FF2B5EF4-FFF2-40B4-BE49-F238E27FC236}">
                 <a16:creationId xmlns:a16="http://schemas.microsoft.com/office/drawing/2014/main" id="{D6153225-A704-2298-6EAF-2F0F1E71698C}"/>
               </a:ext>
             </a:extLst>
@@ -4140,7 +4430,7 @@
 </p:sld>
 </file>
 
-<file path=ppt/slides/slide7.xml><?xml version="1.0" encoding="utf-8"?>
+<file path=ppt/slides/slide8.xml><?xml version="1.0" encoding="utf-8"?>
 <p:sld xmlns:a="http://schemas.openxmlformats.org/drawingml/2006/main" xmlns:r="http://schemas.openxmlformats.org/officeDocument/2006/relationships" xmlns:p="http://schemas.openxmlformats.org/presentationml/2006/main">
   <p:cSld>
     <p:spTree>
@@ -4215,128 +4505,45 @@
         </p:blipFill>
         <p:spPr>
           <a:xfrm>
-            <a:off x="838200" y="1928838"/>
-            <a:ext cx="7143750" cy="3790950"/>
+            <a:off x="0" y="1523999"/>
+            <a:ext cx="5805260" cy="3080658"/>
           </a:xfrm>
+        </p:spPr>
+      </p:pic>
+      <p:pic>
+        <p:nvPicPr>
+          <p:cNvPr id="4" name="Image 3">
+            <a:extLst>
+              <a:ext uri="{FF2B5EF4-FFF2-40B4-BE49-F238E27FC236}">
+                <a16:creationId xmlns:a16="http://schemas.microsoft.com/office/drawing/2014/main" id="{8EBA0730-8BD6-021E-1D5F-A395540CB475}"/>
+              </a:ext>
+            </a:extLst>
+          </p:cNvPr>
+          <p:cNvPicPr>
+            <a:picLocks noChangeAspect="1"/>
+          </p:cNvPicPr>
+          <p:nvPr/>
+        </p:nvPicPr>
+        <p:blipFill>
+          <a:blip r:embed="rId3"/>
+          <a:stretch>
+            <a:fillRect/>
+          </a:stretch>
+        </p:blipFill>
+        <p:spPr>
+          <a:xfrm>
+            <a:off x="5514733" y="2709888"/>
+            <a:ext cx="6677267" cy="4148112"/>
+          </a:xfrm>
+          <a:prstGeom prst="rect">
+            <a:avLst/>
+          </a:prstGeom>
         </p:spPr>
       </p:pic>
     </p:spTree>
     <p:extLst>
       <p:ext uri="{BB962C8B-B14F-4D97-AF65-F5344CB8AC3E}">
         <p14:creationId xmlns:p14="http://schemas.microsoft.com/office/powerpoint/2010/main" val="1352029689"/>
-      </p:ext>
-    </p:extLst>
-  </p:cSld>
-  <p:clrMapOvr>
-    <a:masterClrMapping/>
-  </p:clrMapOvr>
-</p:sld>
-</file>
-
-<file path=ppt/slides/slide8.xml><?xml version="1.0" encoding="utf-8"?>
-<p:sld xmlns:a="http://schemas.openxmlformats.org/drawingml/2006/main" xmlns:r="http://schemas.openxmlformats.org/officeDocument/2006/relationships" xmlns:p="http://schemas.openxmlformats.org/presentationml/2006/main">
-  <p:cSld>
-    <p:spTree>
-      <p:nvGrpSpPr>
-        <p:cNvPr id="1" name=""/>
-        <p:cNvGrpSpPr/>
-        <p:nvPr/>
-      </p:nvGrpSpPr>
-      <p:grpSpPr>
-        <a:xfrm>
-          <a:off x="0" y="0"/>
-          <a:ext cx="0" cy="0"/>
-          <a:chOff x="0" y="0"/>
-          <a:chExt cx="0" cy="0"/>
-        </a:xfrm>
-      </p:grpSpPr>
-      <p:sp>
-        <p:nvSpPr>
-          <p:cNvPr id="2" name="Titre 1">
-            <a:extLst>
-              <a:ext uri="{FF2B5EF4-FFF2-40B4-BE49-F238E27FC236}">
-                <a16:creationId xmlns:a16="http://schemas.microsoft.com/office/drawing/2014/main" id="{F6E49BC0-6973-D28B-3B31-24856A39DAB7}"/>
-              </a:ext>
-            </a:extLst>
-          </p:cNvPr>
-          <p:cNvSpPr>
-            <a:spLocks noGrp="1"/>
-          </p:cNvSpPr>
-          <p:nvPr>
-            <p:ph type="title"/>
-          </p:nvPr>
-        </p:nvSpPr>
-        <p:spPr/>
-        <p:txBody>
-          <a:bodyPr/>
-          <a:lstStyle/>
-          <a:p>
-            <a:r>
-              <a:rPr lang="fr-FR" dirty="0"/>
-              <a:t>Classification avec Mistral 7B</a:t>
-            </a:r>
-          </a:p>
-        </p:txBody>
-      </p:sp>
-      <p:sp>
-        <p:nvSpPr>
-          <p:cNvPr id="3" name="Espace réservé du contenu 2">
-            <a:extLst>
-              <a:ext uri="{FF2B5EF4-FFF2-40B4-BE49-F238E27FC236}">
-                <a16:creationId xmlns:a16="http://schemas.microsoft.com/office/drawing/2014/main" id="{2C44F192-931F-FD94-F816-83CE4E8285DE}"/>
-              </a:ext>
-            </a:extLst>
-          </p:cNvPr>
-          <p:cNvSpPr>
-            <a:spLocks noGrp="1"/>
-          </p:cNvSpPr>
-          <p:nvPr>
-            <p:ph idx="1"/>
-          </p:nvPr>
-        </p:nvSpPr>
-        <p:spPr/>
-        <p:txBody>
-          <a:bodyPr/>
-          <a:lstStyle/>
-          <a:p>
-            <a:r>
-              <a:rPr lang="fr-FR" dirty="0"/>
-              <a:t>Usage de mistral 7B en local avec </a:t>
-            </a:r>
-            <a:r>
-              <a:rPr lang="fr-FR" dirty="0" err="1"/>
-              <a:t>Ollama</a:t>
-            </a:r>
-            <a:endParaRPr lang="fr-FR" dirty="0"/>
-          </a:p>
-          <a:p>
-            <a:r>
-              <a:rPr lang="fr-FR" dirty="0"/>
-              <a:t>Modèles </a:t>
-            </a:r>
-            <a:r>
-              <a:rPr lang="fr-FR" dirty="0" err="1"/>
-              <a:t>ZeroShot</a:t>
-            </a:r>
-            <a:r>
-              <a:rPr lang="fr-FR" dirty="0"/>
-              <a:t> et </a:t>
-            </a:r>
-            <a:r>
-              <a:rPr lang="fr-FR" dirty="0" err="1"/>
-              <a:t>FewShot</a:t>
-            </a:r>
-            <a:r>
-              <a:rPr lang="fr-FR" dirty="0"/>
-              <a:t> pour la classification</a:t>
-            </a:r>
-          </a:p>
-        </p:txBody>
-      </p:sp>
-    </p:spTree>
-    <p:extLst>
-      <p:ext uri="{BB962C8B-B14F-4D97-AF65-F5344CB8AC3E}">
-        <p14:creationId xmlns:p14="http://schemas.microsoft.com/office/powerpoint/2010/main" val="3392904055"/>
       </p:ext>
     </p:extLst>
   </p:cSld>
@@ -4368,7 +4575,7 @@
           <p:cNvPr id="2" name="Titre 1">
             <a:extLst>
               <a:ext uri="{FF2B5EF4-FFF2-40B4-BE49-F238E27FC236}">
-                <a16:creationId xmlns:a16="http://schemas.microsoft.com/office/drawing/2014/main" id="{7C2D7510-0A03-D35E-B15C-0E0029FE07A7}"/>
+                <a16:creationId xmlns:a16="http://schemas.microsoft.com/office/drawing/2014/main" id="{F6E49BC0-6973-D28B-3B31-24856A39DAB7}"/>
               </a:ext>
             </a:extLst>
           </p:cNvPr>
@@ -4386,7 +4593,7 @@
           <a:p>
             <a:r>
               <a:rPr lang="fr-FR" dirty="0"/>
-              <a:t>Classification avec Mistral 7B – Résultats</a:t>
+              <a:t>Classification avec Mistral 7B</a:t>
             </a:r>
           </a:p>
         </p:txBody>
@@ -4396,7 +4603,7 @@
           <p:cNvPr id="3" name="Espace réservé du contenu 2">
             <a:extLst>
               <a:ext uri="{FF2B5EF4-FFF2-40B4-BE49-F238E27FC236}">
-                <a16:creationId xmlns:a16="http://schemas.microsoft.com/office/drawing/2014/main" id="{526AF450-FE63-4A86-27FE-DDF4E18C1030}"/>
+                <a16:creationId xmlns:a16="http://schemas.microsoft.com/office/drawing/2014/main" id="{2C44F192-931F-FD94-F816-83CE4E8285DE}"/>
               </a:ext>
             </a:extLst>
           </p:cNvPr>
@@ -4413,18 +4620,35 @@
           <a:lstStyle/>
           <a:p>
             <a:r>
+              <a:rPr lang="fr-FR" dirty="0"/>
+              <a:t>Usage de mistral 7B en local avec </a:t>
+            </a:r>
+            <a:r>
               <a:rPr lang="fr-FR" dirty="0" err="1"/>
-              <a:t>Accuracy</a:t>
-            </a:r>
+              <a:t>Ollama</a:t>
+            </a:r>
+            <a:endParaRPr lang="fr-FR" dirty="0"/>
+          </a:p>
+          <a:p>
             <a:r>
               <a:rPr lang="fr-FR" dirty="0"/>
-              <a:t> plus faible du modèle 0,73</a:t>
-            </a:r>
-          </a:p>
-          <a:p>
+              <a:t>Modèles </a:t>
+            </a:r>
+            <a:r>
+              <a:rPr lang="fr-FR" dirty="0" err="1"/>
+              <a:t>ZeroShot</a:t>
+            </a:r>
             <a:r>
               <a:rPr lang="fr-FR" dirty="0"/>
-              <a:t>Temps total de prédiction beaucoup plus long en local</a:t>
+              <a:t> et </a:t>
+            </a:r>
+            <a:r>
+              <a:rPr lang="fr-FR" dirty="0" err="1"/>
+              <a:t>FewShot</a:t>
+            </a:r>
+            <a:r>
+              <a:rPr lang="fr-FR" dirty="0"/>
+              <a:t> pour la classification</a:t>
             </a:r>
           </a:p>
         </p:txBody>
@@ -4432,7 +4656,7 @@
     </p:spTree>
     <p:extLst>
       <p:ext uri="{BB962C8B-B14F-4D97-AF65-F5344CB8AC3E}">
-        <p14:creationId xmlns:p14="http://schemas.microsoft.com/office/powerpoint/2010/main" val="2115623529"/>
+        <p14:creationId xmlns:p14="http://schemas.microsoft.com/office/powerpoint/2010/main" val="3392904055"/>
       </p:ext>
     </p:extLst>
   </p:cSld>
